--- a/Vorstellung.pptx
+++ b/Vorstellung.pptx
@@ -5,7 +5,7 @@
     <p:sldMasterId id="2147483648" r:id="rId1"/>
   </p:sldMasterIdLst>
   <p:notesMasterIdLst>
-    <p:notesMasterId r:id="rId19"/>
+    <p:notesMasterId r:id="rId20"/>
   </p:notesMasterIdLst>
   <p:sldIdLst>
     <p:sldId id="256" r:id="rId2"/>
@@ -25,6 +25,7 @@
     <p:sldId id="268" r:id="rId16"/>
     <p:sldId id="269" r:id="rId17"/>
     <p:sldId id="270" r:id="rId18"/>
+    <p:sldId id="274" r:id="rId19"/>
   </p:sldIdLst>
   <p:sldSz cx="9144000" cy="5143500" type="screen16x9"/>
   <p:notesSz cx="6858000" cy="9144000"/>
@@ -145,7 +146,7 @@
 <file path=ppt/revisionInfo.xml><?xml version="1.0" encoding="utf-8"?>
 <p1510:revInfo xmlns:a="http://schemas.openxmlformats.org/drawingml/2006/main" xmlns:r="http://schemas.openxmlformats.org/officeDocument/2006/relationships" xmlns:p1510="http://schemas.microsoft.com/office/powerpoint/2015/10/main">
   <p1510:revLst>
-    <p1510:client id="{1C8939D7-FF10-4C4E-B9FE-407E57D5357A}" v="14" dt="2019-07-01T16:37:56.726"/>
+    <p1510:client id="{1C8939D7-FF10-4C4E-B9FE-407E57D5357A}" v="17" dt="2019-07-01T18:06:28.117"/>
   </p1510:revLst>
 </p1510:revInfo>
 </file>
@@ -4029,10 +4030,6 @@
           </a:p>
           <a:p>
             <a:r>
-              <a:rPr lang="en-US" dirty="0"/>
-              <a:t> </a:t>
-            </a:r>
-            <a:r>
               <a:rPr lang="en-US" dirty="0" err="1"/>
               <a:t>Turon</a:t>
             </a:r>
@@ -4122,7 +4119,7 @@
         <p:spPr/>
         <p:txBody>
           <a:bodyPr>
-            <a:normAutofit fontScale="92500" lnSpcReduction="10000"/>
+            <a:normAutofit fontScale="85000" lnSpcReduction="20000"/>
           </a:bodyPr>
           <a:lstStyle/>
           <a:p>
@@ -4164,6 +4161,19 @@
             <a:r>
               <a:rPr lang="de-DE" dirty="0"/>
               <a:t>Flux-Umsetzung</a:t>
+            </a:r>
+          </a:p>
+          <a:p>
+            <a:endParaRPr lang="de-DE" dirty="0"/>
+          </a:p>
+          <a:p>
+            <a:r>
+              <a:rPr lang="de-DE" dirty="0" err="1"/>
+              <a:t>Deployment</a:t>
+            </a:r>
+            <a:r>
+              <a:rPr lang="de-DE" dirty="0"/>
+              <a:t> - Prozesse</a:t>
             </a:r>
           </a:p>
         </p:txBody>
@@ -4484,7 +4494,7 @@
             </a:pPr>
             <a:r>
               <a:rPr lang="de-DE" dirty="0"/>
-              <a:t> + Flexibel einsetzbar</a:t>
+              <a:t>+ Flexibel einsetzbar</a:t>
             </a:r>
           </a:p>
           <a:p>
@@ -4958,28 +4968,16 @@
           <a:p>
             <a:r>
               <a:rPr lang="de-DE" dirty="0"/>
-              <a:t>Einfach </a:t>
-            </a:r>
-            <a:r>
-              <a:rPr lang="de-DE" dirty="0" err="1"/>
-              <a:t>reinzufinden</a:t>
-            </a:r>
+              <a:t>Einfache Einarbeitung</a:t>
+            </a:r>
+          </a:p>
+          <a:p>
+            <a:endParaRPr lang="de-DE" dirty="0"/>
+          </a:p>
+          <a:p>
             <a:r>
               <a:rPr lang="de-DE" dirty="0"/>
-              <a:t> in das Framework</a:t>
-            </a:r>
-          </a:p>
-          <a:p>
-            <a:endParaRPr lang="de-DE" dirty="0"/>
-          </a:p>
-          <a:p>
-            <a:r>
-              <a:rPr lang="de-DE" dirty="0" err="1"/>
-              <a:t>Apks</a:t>
-            </a:r>
-            <a:r>
-              <a:rPr lang="de-DE" dirty="0"/>
-              <a:t> bauen sehr einfach</a:t>
+              <a:t>APKs erstellen</a:t>
             </a:r>
           </a:p>
           <a:p>
@@ -4997,6 +4995,69 @@
     <p:extLst>
       <p:ext uri="{BB962C8B-B14F-4D97-AF65-F5344CB8AC3E}">
         <p14:creationId xmlns:p14="http://schemas.microsoft.com/office/powerpoint/2010/main" val="583418262"/>
+      </p:ext>
+    </p:extLst>
+  </p:cSld>
+  <p:clrMapOvr>
+    <a:masterClrMapping/>
+  </p:clrMapOvr>
+</p:sld>
+</file>
+
+<file path=ppt/slides/slide18.xml><?xml version="1.0" encoding="utf-8"?>
+<p:sld xmlns:a="http://schemas.openxmlformats.org/drawingml/2006/main" xmlns:r="http://schemas.openxmlformats.org/officeDocument/2006/relationships" xmlns:p="http://schemas.openxmlformats.org/presentationml/2006/main">
+  <p:cSld>
+    <p:spTree>
+      <p:nvGrpSpPr>
+        <p:cNvPr id="1" name=""/>
+        <p:cNvGrpSpPr/>
+        <p:nvPr/>
+      </p:nvGrpSpPr>
+      <p:grpSpPr>
+        <a:xfrm>
+          <a:off x="0" y="0"/>
+          <a:ext cx="0" cy="0"/>
+          <a:chOff x="0" y="0"/>
+          <a:chExt cx="0" cy="0"/>
+        </a:xfrm>
+      </p:grpSpPr>
+      <p:sp>
+        <p:nvSpPr>
+          <p:cNvPr id="2" name="Titel 1">
+            <a:extLst>
+              <a:ext uri="{FF2B5EF4-FFF2-40B4-BE49-F238E27FC236}">
+                <a16:creationId xmlns:a16="http://schemas.microsoft.com/office/drawing/2014/main" id="{9F4B89F8-43FC-4E2B-8C57-5385B108E087}"/>
+              </a:ext>
+            </a:extLst>
+          </p:cNvPr>
+          <p:cNvSpPr>
+            <a:spLocks noGrp="1"/>
+          </p:cNvSpPr>
+          <p:nvPr>
+            <p:ph type="title"/>
+          </p:nvPr>
+        </p:nvSpPr>
+        <p:spPr/>
+        <p:txBody>
+          <a:bodyPr/>
+          <a:lstStyle/>
+          <a:p>
+            <a:pPr algn="l"/>
+            <a:r>
+              <a:rPr lang="de-DE" dirty="0">
+                <a:solidFill>
+                  <a:schemeClr val="bg1"/>
+                </a:solidFill>
+              </a:rPr>
+              <a:t>Vielen Dank!</a:t>
+            </a:r>
+          </a:p>
+        </p:txBody>
+      </p:sp>
+    </p:spTree>
+    <p:extLst>
+      <p:ext uri="{BB962C8B-B14F-4D97-AF65-F5344CB8AC3E}">
+        <p14:creationId xmlns:p14="http://schemas.microsoft.com/office/powerpoint/2010/main" val="2982820671"/>
       </p:ext>
     </p:extLst>
   </p:cSld>
@@ -5565,10 +5626,10 @@
       </p:sp>
       <p:pic>
         <p:nvPicPr>
-          <p:cNvPr id="5" name="Inhaltsplatzhalter 4" descr="Ein Bild, das Text, Screenshot enthält.&#10;&#10;Automatisch generierte Beschreibung">
+          <p:cNvPr id="7" name="Inhaltsplatzhalter 6" descr="Ein Bild, das Text enthält.&#10;&#10;Automatisch generierte Beschreibung">
             <a:extLst>
               <a:ext uri="{FF2B5EF4-FFF2-40B4-BE49-F238E27FC236}">
-                <a16:creationId xmlns:a16="http://schemas.microsoft.com/office/drawing/2014/main" id="{8B066E96-8D46-4DD6-BB12-0967C3AD8EDF}"/>
+                <a16:creationId xmlns:a16="http://schemas.microsoft.com/office/drawing/2014/main" id="{E201A167-606B-4C50-8DE0-486A882933C6}"/>
               </a:ext>
             </a:extLst>
           </p:cNvPr>
@@ -5580,7 +5641,7 @@
           </p:nvPr>
         </p:nvPicPr>
         <p:blipFill>
-          <a:blip r:embed="rId2" cstate="print">
+          <a:blip r:embed="rId2">
             <a:extLst>
               <a:ext uri="{28A0092B-C50C-407E-A947-70E740481C1C}">
                 <a14:useLocalDpi xmlns:a14="http://schemas.microsoft.com/office/drawing/2010/main" val="0"/>
@@ -5593,8 +5654,8 @@
         </p:blipFill>
         <p:spPr>
           <a:xfrm>
-            <a:off x="2386502" y="1349375"/>
-            <a:ext cx="4370997" cy="3513138"/>
+            <a:off x="2039273" y="1349375"/>
+            <a:ext cx="5065454" cy="3513138"/>
           </a:xfrm>
         </p:spPr>
       </p:pic>
@@ -5736,7 +5797,12 @@
             <p:ph type="title"/>
           </p:nvPr>
         </p:nvSpPr>
-        <p:spPr/>
+        <p:spPr>
+          <a:xfrm>
+            <a:off x="448964" y="281175"/>
+            <a:ext cx="6571307" cy="572644"/>
+          </a:xfrm>
+        </p:spPr>
         <p:txBody>
           <a:bodyPr>
             <a:normAutofit fontScale="90000"/>
@@ -5745,7 +5811,15 @@
           <a:p>
             <a:r>
               <a:rPr lang="de-DE" dirty="0"/>
-              <a:t>Pflichtenheft – AWS-Instanzen</a:t>
+              <a:t>Pflichtenheft – </a:t>
+            </a:r>
+            <a:r>
+              <a:rPr lang="de-DE" dirty="0" err="1"/>
+              <a:t>Deployment</a:t>
+            </a:r>
+            <a:r>
+              <a:rPr lang="de-DE" dirty="0"/>
+              <a:t> Pipeline</a:t>
             </a:r>
           </a:p>
         </p:txBody>
